--- a/SLiM_NN/NN_presentation02_22_2022.pptx
+++ b/SLiM_NN/NN_presentation02_22_2022.pptx
@@ -5,7 +5,7 @@
     <p:sldMasterId id="2147483648" r:id="rId1"/>
   </p:sldMasterIdLst>
   <p:notesMasterIdLst>
-    <p:notesMasterId r:id="rId11"/>
+    <p:notesMasterId r:id="rId15"/>
   </p:notesMasterIdLst>
   <p:sldIdLst>
     <p:sldId id="265" r:id="rId2"/>
@@ -17,6 +17,10 @@
     <p:sldId id="269" r:id="rId8"/>
     <p:sldId id="274" r:id="rId9"/>
     <p:sldId id="275" r:id="rId10"/>
+    <p:sldId id="276" r:id="rId11"/>
+    <p:sldId id="277" r:id="rId12"/>
+    <p:sldId id="278" r:id="rId13"/>
+    <p:sldId id="279" r:id="rId14"/>
   </p:sldIdLst>
   <p:sldSz cx="12192000" cy="6858000"/>
   <p:notesSz cx="6858000" cy="9144000"/>
@@ -205,7 +209,7 @@
           <a:p>
             <a:fld id="{C60508CA-C107-407E-8977-8018E0DC97D7}" type="datetimeFigureOut">
               <a:rPr lang="en-US" smtClean="0"/>
-              <a:t>2/22/2022</a:t>
+              <a:t>9/23/2022</a:t>
             </a:fld>
             <a:endParaRPr lang="en-US"/>
           </a:p>
@@ -703,7 +707,7 @@
           <a:p>
             <a:fld id="{69AAD5AD-9358-43C1-A998-723E161209B3}" type="datetimeFigureOut">
               <a:rPr lang="en-US" smtClean="0"/>
-              <a:t>2/22/2022</a:t>
+              <a:t>9/23/2022</a:t>
             </a:fld>
             <a:endParaRPr lang="en-US"/>
           </a:p>
@@ -901,7 +905,7 @@
           <a:p>
             <a:fld id="{69AAD5AD-9358-43C1-A998-723E161209B3}" type="datetimeFigureOut">
               <a:rPr lang="en-US" smtClean="0"/>
-              <a:t>2/22/2022</a:t>
+              <a:t>9/23/2022</a:t>
             </a:fld>
             <a:endParaRPr lang="en-US"/>
           </a:p>
@@ -1109,7 +1113,7 @@
           <a:p>
             <a:fld id="{69AAD5AD-9358-43C1-A998-723E161209B3}" type="datetimeFigureOut">
               <a:rPr lang="en-US" smtClean="0"/>
-              <a:t>2/22/2022</a:t>
+              <a:t>9/23/2022</a:t>
             </a:fld>
             <a:endParaRPr lang="en-US"/>
           </a:p>
@@ -1307,7 +1311,7 @@
           <a:p>
             <a:fld id="{69AAD5AD-9358-43C1-A998-723E161209B3}" type="datetimeFigureOut">
               <a:rPr lang="en-US" smtClean="0"/>
-              <a:t>2/22/2022</a:t>
+              <a:t>9/23/2022</a:t>
             </a:fld>
             <a:endParaRPr lang="en-US"/>
           </a:p>
@@ -1582,7 +1586,7 @@
           <a:p>
             <a:fld id="{69AAD5AD-9358-43C1-A998-723E161209B3}" type="datetimeFigureOut">
               <a:rPr lang="en-US" smtClean="0"/>
-              <a:t>2/22/2022</a:t>
+              <a:t>9/23/2022</a:t>
             </a:fld>
             <a:endParaRPr lang="en-US"/>
           </a:p>
@@ -1847,7 +1851,7 @@
           <a:p>
             <a:fld id="{69AAD5AD-9358-43C1-A998-723E161209B3}" type="datetimeFigureOut">
               <a:rPr lang="en-US" smtClean="0"/>
-              <a:t>2/22/2022</a:t>
+              <a:t>9/23/2022</a:t>
             </a:fld>
             <a:endParaRPr lang="en-US"/>
           </a:p>
@@ -2259,7 +2263,7 @@
           <a:p>
             <a:fld id="{69AAD5AD-9358-43C1-A998-723E161209B3}" type="datetimeFigureOut">
               <a:rPr lang="en-US" smtClean="0"/>
-              <a:t>2/22/2022</a:t>
+              <a:t>9/23/2022</a:t>
             </a:fld>
             <a:endParaRPr lang="en-US"/>
           </a:p>
@@ -2400,7 +2404,7 @@
           <a:p>
             <a:fld id="{69AAD5AD-9358-43C1-A998-723E161209B3}" type="datetimeFigureOut">
               <a:rPr lang="en-US" smtClean="0"/>
-              <a:t>2/22/2022</a:t>
+              <a:t>9/23/2022</a:t>
             </a:fld>
             <a:endParaRPr lang="en-US"/>
           </a:p>
@@ -2513,7 +2517,7 @@
           <a:p>
             <a:fld id="{69AAD5AD-9358-43C1-A998-723E161209B3}" type="datetimeFigureOut">
               <a:rPr lang="en-US" smtClean="0"/>
-              <a:t>2/22/2022</a:t>
+              <a:t>9/23/2022</a:t>
             </a:fld>
             <a:endParaRPr lang="en-US"/>
           </a:p>
@@ -2824,7 +2828,7 @@
           <a:p>
             <a:fld id="{69AAD5AD-9358-43C1-A998-723E161209B3}" type="datetimeFigureOut">
               <a:rPr lang="en-US" smtClean="0"/>
-              <a:t>2/22/2022</a:t>
+              <a:t>9/23/2022</a:t>
             </a:fld>
             <a:endParaRPr lang="en-US"/>
           </a:p>
@@ -3112,7 +3116,7 @@
           <a:p>
             <a:fld id="{69AAD5AD-9358-43C1-A998-723E161209B3}" type="datetimeFigureOut">
               <a:rPr lang="en-US" smtClean="0"/>
-              <a:t>2/22/2022</a:t>
+              <a:t>9/23/2022</a:t>
             </a:fld>
             <a:endParaRPr lang="en-US"/>
           </a:p>
@@ -3353,7 +3357,7 @@
           <a:p>
             <a:fld id="{69AAD5AD-9358-43C1-A998-723E161209B3}" type="datetimeFigureOut">
               <a:rPr lang="en-US" smtClean="0"/>
-              <a:t>2/22/2022</a:t>
+              <a:t>9/23/2022</a:t>
             </a:fld>
             <a:endParaRPr lang="en-US"/>
           </a:p>
@@ -3803,8 +3807,8 @@
           </a:p>
         </p:txBody>
       </p:sp>
-      <mc:AlternateContent xmlns:mc="http://schemas.openxmlformats.org/markup-compatibility/2006">
-        <mc:Choice xmlns:a14="http://schemas.microsoft.com/office/drawing/2010/main" Requires="a14">
+      <mc:AlternateContent xmlns:mc="http://schemas.openxmlformats.org/markup-compatibility/2006" xmlns:a14="http://schemas.microsoft.com/office/drawing/2010/main">
+        <mc:Choice Requires="a14">
           <p:sp>
             <p:nvSpPr>
               <p:cNvPr id="3" name="Content Placeholder 2">
@@ -4942,7 +4946,7 @@
             </p:txBody>
           </p:sp>
         </mc:Choice>
-        <mc:Fallback>
+        <mc:Fallback xmlns="">
           <p:sp>
             <p:nvSpPr>
               <p:cNvPr id="3" name="Content Placeholder 2">
@@ -5020,6 +5024,362 @@
     <p:extLst>
       <p:ext uri="{BB962C8B-B14F-4D97-AF65-F5344CB8AC3E}">
         <p14:creationId xmlns:p14="http://schemas.microsoft.com/office/powerpoint/2010/main" val="1361382463"/>
+      </p:ext>
+    </p:extLst>
+  </p:cSld>
+  <p:clrMapOvr>
+    <a:masterClrMapping/>
+  </p:clrMapOvr>
+</p:sld>
+</file>
+
+<file path=ppt/slides/slide10.xml><?xml version="1.0" encoding="utf-8"?>
+<p:sld xmlns:a="http://schemas.openxmlformats.org/drawingml/2006/main" xmlns:r="http://schemas.openxmlformats.org/officeDocument/2006/relationships" xmlns:p="http://schemas.openxmlformats.org/presentationml/2006/main">
+  <p:cSld>
+    <p:spTree>
+      <p:nvGrpSpPr>
+        <p:cNvPr id="1" name=""/>
+        <p:cNvGrpSpPr/>
+        <p:nvPr/>
+      </p:nvGrpSpPr>
+      <p:grpSpPr>
+        <a:xfrm>
+          <a:off x="0" y="0"/>
+          <a:ext cx="0" cy="0"/>
+          <a:chOff x="0" y="0"/>
+          <a:chExt cx="0" cy="0"/>
+        </a:xfrm>
+      </p:grpSpPr>
+      <p:sp>
+        <p:nvSpPr>
+          <p:cNvPr id="2" name="Title 1"/>
+          <p:cNvSpPr>
+            <a:spLocks noGrp="1"/>
+          </p:cNvSpPr>
+          <p:nvPr>
+            <p:ph type="title"/>
+          </p:nvPr>
+        </p:nvSpPr>
+        <p:spPr>
+          <a:xfrm>
+            <a:off x="370840" y="-102235"/>
+            <a:ext cx="10515600" cy="1325563"/>
+          </a:xfrm>
+        </p:spPr>
+        <p:txBody>
+          <a:bodyPr/>
+          <a:lstStyle/>
+          <a:p>
+            <a:r>
+              <a:rPr lang="en-US" dirty="0" smtClean="0"/>
+              <a:t>Top to bottom: nu</a:t>
+            </a:r>
+            <a:r>
+              <a:rPr lang="en-US" dirty="0"/>
+              <a:t>, </a:t>
+            </a:r>
+            <a:r>
+              <a:rPr lang="en-US" dirty="0" err="1"/>
+              <a:t>zeff,eta,shat,ky,mu_norm</a:t>
+            </a:r>
+            <a:endParaRPr lang="en-US" dirty="0"/>
+          </a:p>
+        </p:txBody>
+      </p:sp>
+      <p:pic>
+        <p:nvPicPr>
+          <p:cNvPr id="5" name="Picture 4"/>
+          <p:cNvPicPr>
+            <a:picLocks noChangeAspect="1"/>
+          </p:cNvPicPr>
+          <p:nvPr/>
+        </p:nvPicPr>
+        <p:blipFill rotWithShape="1">
+          <a:blip r:embed="rId2">
+            <a:extLst>
+              <a:ext uri="{28A0092B-C50C-407E-A947-70E740481C1C}">
+                <a14:useLocalDpi xmlns:a14="http://schemas.microsoft.com/office/drawing/2010/main" val="0"/>
+              </a:ext>
+            </a:extLst>
+          </a:blip>
+          <a:srcRect l="16486" t="15735" r="10867" b="21118"/>
+          <a:stretch/>
+        </p:blipFill>
+        <p:spPr>
+          <a:xfrm>
+            <a:off x="213359" y="1107440"/>
+            <a:ext cx="7353175" cy="5750560"/>
+          </a:xfrm>
+          <a:prstGeom prst="rect">
+            <a:avLst/>
+          </a:prstGeom>
+        </p:spPr>
+      </p:pic>
+    </p:spTree>
+    <p:extLst>
+      <p:ext uri="{BB962C8B-B14F-4D97-AF65-F5344CB8AC3E}">
+        <p14:creationId xmlns:p14="http://schemas.microsoft.com/office/powerpoint/2010/main" val="1412756396"/>
+      </p:ext>
+    </p:extLst>
+  </p:cSld>
+  <p:clrMapOvr>
+    <a:masterClrMapping/>
+  </p:clrMapOvr>
+</p:sld>
+</file>
+
+<file path=ppt/slides/slide11.xml><?xml version="1.0" encoding="utf-8"?>
+<p:sld xmlns:a="http://schemas.openxmlformats.org/drawingml/2006/main" xmlns:r="http://schemas.openxmlformats.org/officeDocument/2006/relationships" xmlns:p="http://schemas.openxmlformats.org/presentationml/2006/main">
+  <p:cSld>
+    <p:spTree>
+      <p:nvGrpSpPr>
+        <p:cNvPr id="1" name=""/>
+        <p:cNvGrpSpPr/>
+        <p:nvPr/>
+      </p:nvGrpSpPr>
+      <p:grpSpPr>
+        <a:xfrm>
+          <a:off x="0" y="0"/>
+          <a:ext cx="0" cy="0"/>
+          <a:chOff x="0" y="0"/>
+          <a:chExt cx="0" cy="0"/>
+        </a:xfrm>
+      </p:grpSpPr>
+      <p:pic>
+        <p:nvPicPr>
+          <p:cNvPr id="4" name="Content Placeholder 3"/>
+          <p:cNvPicPr>
+            <a:picLocks noChangeAspect="1"/>
+          </p:cNvPicPr>
+          <p:nvPr/>
+        </p:nvPicPr>
+        <p:blipFill>
+          <a:blip r:embed="rId2">
+            <a:extLst>
+              <a:ext uri="{28A0092B-C50C-407E-A947-70E740481C1C}">
+                <a14:useLocalDpi xmlns:a14="http://schemas.microsoft.com/office/drawing/2010/main" val="0"/>
+              </a:ext>
+            </a:extLst>
+          </a:blip>
+          <a:stretch>
+            <a:fillRect/>
+          </a:stretch>
+        </p:blipFill>
+        <p:spPr>
+          <a:xfrm>
+            <a:off x="2336801" y="180651"/>
+            <a:ext cx="7203532" cy="6481135"/>
+          </a:xfrm>
+          <a:prstGeom prst="rect">
+            <a:avLst/>
+          </a:prstGeom>
+        </p:spPr>
+      </p:pic>
+    </p:spTree>
+    <p:extLst>
+      <p:ext uri="{BB962C8B-B14F-4D97-AF65-F5344CB8AC3E}">
+        <p14:creationId xmlns:p14="http://schemas.microsoft.com/office/powerpoint/2010/main" val="3382988464"/>
+      </p:ext>
+    </p:extLst>
+  </p:cSld>
+  <p:clrMapOvr>
+    <a:masterClrMapping/>
+  </p:clrMapOvr>
+</p:sld>
+</file>
+
+<file path=ppt/slides/slide12.xml><?xml version="1.0" encoding="utf-8"?>
+<p:sld xmlns:a="http://schemas.openxmlformats.org/drawingml/2006/main" xmlns:r="http://schemas.openxmlformats.org/officeDocument/2006/relationships" xmlns:p="http://schemas.openxmlformats.org/presentationml/2006/main">
+  <p:cSld>
+    <p:spTree>
+      <p:nvGrpSpPr>
+        <p:cNvPr id="1" name=""/>
+        <p:cNvGrpSpPr/>
+        <p:nvPr/>
+      </p:nvGrpSpPr>
+      <p:grpSpPr>
+        <a:xfrm>
+          <a:off x="0" y="0"/>
+          <a:ext cx="0" cy="0"/>
+          <a:chOff x="0" y="0"/>
+          <a:chExt cx="0" cy="0"/>
+        </a:xfrm>
+      </p:grpSpPr>
+      <p:sp>
+        <p:nvSpPr>
+          <p:cNvPr id="2" name="Title 1"/>
+          <p:cNvSpPr>
+            <a:spLocks noGrp="1"/>
+          </p:cNvSpPr>
+          <p:nvPr>
+            <p:ph type="title"/>
+          </p:nvPr>
+        </p:nvSpPr>
+        <p:spPr/>
+        <p:txBody>
+          <a:bodyPr/>
+          <a:lstStyle/>
+          <a:p>
+            <a:endParaRPr lang="en-US"/>
+          </a:p>
+        </p:txBody>
+      </p:sp>
+      <p:sp>
+        <p:nvSpPr>
+          <p:cNvPr id="3" name="Content Placeholder 2"/>
+          <p:cNvSpPr>
+            <a:spLocks noGrp="1"/>
+          </p:cNvSpPr>
+          <p:nvPr>
+            <p:ph idx="1"/>
+          </p:nvPr>
+        </p:nvSpPr>
+        <p:spPr/>
+        <p:txBody>
+          <a:bodyPr/>
+          <a:lstStyle/>
+          <a:p>
+            <a:r>
+              <a:rPr lang="en-US" dirty="0" smtClean="0"/>
+              <a:t>For stable unstable:</a:t>
+            </a:r>
+          </a:p>
+          <a:p>
+            <a:r>
+              <a:rPr lang="en-US" dirty="0"/>
+              <a:t>['nu', </a:t>
+            </a:r>
+            <a:r>
+              <a:rPr lang="en-US" dirty="0" smtClean="0"/>
+              <a:t>            '</a:t>
+            </a:r>
+            <a:r>
+              <a:rPr lang="en-US" dirty="0" err="1" smtClean="0"/>
+              <a:t>zeff</a:t>
+            </a:r>
+            <a:r>
+              <a:rPr lang="en-US" dirty="0" smtClean="0"/>
+              <a:t>',                  'eta',           'shat',             'beta',                '</a:t>
+            </a:r>
+            <a:r>
+              <a:rPr lang="en-US" dirty="0" err="1" smtClean="0"/>
+              <a:t>ky</a:t>
+            </a:r>
+            <a:r>
+              <a:rPr lang="en-US" dirty="0" smtClean="0"/>
+              <a:t>',          '</a:t>
+            </a:r>
+            <a:r>
+              <a:rPr lang="en-US" dirty="0" err="1" smtClean="0"/>
+              <a:t>mu_norm</a:t>
+            </a:r>
+            <a:r>
+              <a:rPr lang="en-US" dirty="0" smtClean="0"/>
+              <a:t>'] =</a:t>
+            </a:r>
+            <a:endParaRPr lang="en-US" dirty="0" smtClean="0"/>
+          </a:p>
+          <a:p>
+            <a:pPr marL="0" indent="0">
+              <a:buNone/>
+            </a:pPr>
+            <a:r>
+              <a:rPr lang="en-US" dirty="0" smtClean="0"/>
+              <a:t>   [</a:t>
+            </a:r>
+            <a:r>
+              <a:rPr lang="en-US" dirty="0"/>
+              <a:t>0.6086171  0.06476105 0.09443569 0.08774152 0.06328316 </a:t>
+            </a:r>
+            <a:r>
+              <a:rPr lang="en-US" dirty="0" smtClean="0"/>
+              <a:t>0.03368932 0.04747209</a:t>
+            </a:r>
+            <a:r>
+              <a:rPr lang="en-US" dirty="0"/>
+              <a:t>]</a:t>
+            </a:r>
+          </a:p>
+          <a:p>
+            <a:endParaRPr lang="en-US" dirty="0"/>
+          </a:p>
+        </p:txBody>
+      </p:sp>
+    </p:spTree>
+    <p:extLst>
+      <p:ext uri="{BB962C8B-B14F-4D97-AF65-F5344CB8AC3E}">
+        <p14:creationId xmlns:p14="http://schemas.microsoft.com/office/powerpoint/2010/main" val="3954497931"/>
+      </p:ext>
+    </p:extLst>
+  </p:cSld>
+  <p:clrMapOvr>
+    <a:masterClrMapping/>
+  </p:clrMapOvr>
+</p:sld>
+</file>
+
+<file path=ppt/slides/slide13.xml><?xml version="1.0" encoding="utf-8"?>
+<p:sld xmlns:a="http://schemas.openxmlformats.org/drawingml/2006/main" xmlns:r="http://schemas.openxmlformats.org/officeDocument/2006/relationships" xmlns:p="http://schemas.openxmlformats.org/presentationml/2006/main">
+  <p:cSld>
+    <p:spTree>
+      <p:nvGrpSpPr>
+        <p:cNvPr id="1" name=""/>
+        <p:cNvGrpSpPr/>
+        <p:nvPr/>
+      </p:nvGrpSpPr>
+      <p:grpSpPr>
+        <a:xfrm>
+          <a:off x="0" y="0"/>
+          <a:ext cx="0" cy="0"/>
+          <a:chOff x="0" y="0"/>
+          <a:chExt cx="0" cy="0"/>
+        </a:xfrm>
+      </p:grpSpPr>
+      <p:sp>
+        <p:nvSpPr>
+          <p:cNvPr id="2" name="Title 1"/>
+          <p:cNvSpPr>
+            <a:spLocks noGrp="1"/>
+          </p:cNvSpPr>
+          <p:nvPr>
+            <p:ph type="title"/>
+          </p:nvPr>
+        </p:nvSpPr>
+        <p:spPr/>
+        <p:txBody>
+          <a:bodyPr/>
+          <a:lstStyle/>
+          <a:p>
+            <a:endParaRPr lang="en-US"/>
+          </a:p>
+        </p:txBody>
+      </p:sp>
+      <p:sp>
+        <p:nvSpPr>
+          <p:cNvPr id="3" name="Content Placeholder 2"/>
+          <p:cNvSpPr>
+            <a:spLocks noGrp="1"/>
+          </p:cNvSpPr>
+          <p:nvPr>
+            <p:ph idx="1"/>
+          </p:nvPr>
+        </p:nvSpPr>
+        <p:spPr/>
+        <p:txBody>
+          <a:bodyPr/>
+          <a:lstStyle/>
+          <a:p>
+            <a:r>
+              <a:rPr lang="en-US" dirty="0"/>
+              <a:t>https://stackoverflow.com/questions/43979449/higher-validation-accuracy-than-training-accurracy-using-tensorflow-and-keras</a:t>
+            </a:r>
+          </a:p>
+        </p:txBody>
+      </p:sp>
+    </p:spTree>
+    <p:extLst>
+      <p:ext uri="{BB962C8B-B14F-4D97-AF65-F5344CB8AC3E}">
+        <p14:creationId xmlns:p14="http://schemas.microsoft.com/office/powerpoint/2010/main" val="1341562509"/>
       </p:ext>
     </p:extLst>
   </p:cSld>
@@ -6235,8 +6595,8 @@
           <a:chExt cx="0" cy="0"/>
         </a:xfrm>
       </p:grpSpPr>
-      <mc:AlternateContent xmlns:mc="http://schemas.openxmlformats.org/markup-compatibility/2006">
-        <mc:Choice xmlns:a14="http://schemas.microsoft.com/office/drawing/2010/main" Requires="a14">
+      <mc:AlternateContent xmlns:mc="http://schemas.openxmlformats.org/markup-compatibility/2006" xmlns:a14="http://schemas.microsoft.com/office/drawing/2010/main">
+        <mc:Choice Requires="a14">
           <p:sp>
             <p:nvSpPr>
               <p:cNvPr id="14" name="TextBox 13">
@@ -6451,7 +6811,7 @@
             </p:txBody>
           </p:sp>
         </mc:Choice>
-        <mc:Fallback>
+        <mc:Fallback xmlns="">
           <p:sp>
             <p:nvSpPr>
               <p:cNvPr id="14" name="TextBox 13">
@@ -6547,7 +6907,7 @@
           <p:nvPr/>
         </p:nvPicPr>
         <p:blipFill>
-          <a:blip r:embed="rId5">
+          <a:blip r:embed="rId5" cstate="hqprint">
             <a:extLst>
               <a:ext uri="{28A0092B-C50C-407E-A947-70E740481C1C}">
                 <a14:useLocalDpi xmlns:a14="http://schemas.microsoft.com/office/drawing/2010/main" val="0"/>

--- a/SLiM_NN/NN_presentation02_22_2022.pptx
+++ b/SLiM_NN/NN_presentation02_22_2022.pptx
@@ -209,7 +209,7 @@
           <a:p>
             <a:fld id="{C60508CA-C107-407E-8977-8018E0DC97D7}" type="datetimeFigureOut">
               <a:rPr lang="en-US" smtClean="0"/>
-              <a:t>9/23/2022</a:t>
+              <a:t>1/11/2023</a:t>
             </a:fld>
             <a:endParaRPr lang="en-US"/>
           </a:p>
@@ -707,7 +707,7 @@
           <a:p>
             <a:fld id="{69AAD5AD-9358-43C1-A998-723E161209B3}" type="datetimeFigureOut">
               <a:rPr lang="en-US" smtClean="0"/>
-              <a:t>9/23/2022</a:t>
+              <a:t>1/11/2023</a:t>
             </a:fld>
             <a:endParaRPr lang="en-US"/>
           </a:p>
@@ -905,7 +905,7 @@
           <a:p>
             <a:fld id="{69AAD5AD-9358-43C1-A998-723E161209B3}" type="datetimeFigureOut">
               <a:rPr lang="en-US" smtClean="0"/>
-              <a:t>9/23/2022</a:t>
+              <a:t>1/11/2023</a:t>
             </a:fld>
             <a:endParaRPr lang="en-US"/>
           </a:p>
@@ -1113,7 +1113,7 @@
           <a:p>
             <a:fld id="{69AAD5AD-9358-43C1-A998-723E161209B3}" type="datetimeFigureOut">
               <a:rPr lang="en-US" smtClean="0"/>
-              <a:t>9/23/2022</a:t>
+              <a:t>1/11/2023</a:t>
             </a:fld>
             <a:endParaRPr lang="en-US"/>
           </a:p>
@@ -1311,7 +1311,7 @@
           <a:p>
             <a:fld id="{69AAD5AD-9358-43C1-A998-723E161209B3}" type="datetimeFigureOut">
               <a:rPr lang="en-US" smtClean="0"/>
-              <a:t>9/23/2022</a:t>
+              <a:t>1/11/2023</a:t>
             </a:fld>
             <a:endParaRPr lang="en-US"/>
           </a:p>
@@ -1586,7 +1586,7 @@
           <a:p>
             <a:fld id="{69AAD5AD-9358-43C1-A998-723E161209B3}" type="datetimeFigureOut">
               <a:rPr lang="en-US" smtClean="0"/>
-              <a:t>9/23/2022</a:t>
+              <a:t>1/11/2023</a:t>
             </a:fld>
             <a:endParaRPr lang="en-US"/>
           </a:p>
@@ -1851,7 +1851,7 @@
           <a:p>
             <a:fld id="{69AAD5AD-9358-43C1-A998-723E161209B3}" type="datetimeFigureOut">
               <a:rPr lang="en-US" smtClean="0"/>
-              <a:t>9/23/2022</a:t>
+              <a:t>1/11/2023</a:t>
             </a:fld>
             <a:endParaRPr lang="en-US"/>
           </a:p>
@@ -2263,7 +2263,7 @@
           <a:p>
             <a:fld id="{69AAD5AD-9358-43C1-A998-723E161209B3}" type="datetimeFigureOut">
               <a:rPr lang="en-US" smtClean="0"/>
-              <a:t>9/23/2022</a:t>
+              <a:t>1/11/2023</a:t>
             </a:fld>
             <a:endParaRPr lang="en-US"/>
           </a:p>
@@ -2404,7 +2404,7 @@
           <a:p>
             <a:fld id="{69AAD5AD-9358-43C1-A998-723E161209B3}" type="datetimeFigureOut">
               <a:rPr lang="en-US" smtClean="0"/>
-              <a:t>9/23/2022</a:t>
+              <a:t>1/11/2023</a:t>
             </a:fld>
             <a:endParaRPr lang="en-US"/>
           </a:p>
@@ -2517,7 +2517,7 @@
           <a:p>
             <a:fld id="{69AAD5AD-9358-43C1-A998-723E161209B3}" type="datetimeFigureOut">
               <a:rPr lang="en-US" smtClean="0"/>
-              <a:t>9/23/2022</a:t>
+              <a:t>1/11/2023</a:t>
             </a:fld>
             <a:endParaRPr lang="en-US"/>
           </a:p>
@@ -2828,7 +2828,7 @@
           <a:p>
             <a:fld id="{69AAD5AD-9358-43C1-A998-723E161209B3}" type="datetimeFigureOut">
               <a:rPr lang="en-US" smtClean="0"/>
-              <a:t>9/23/2022</a:t>
+              <a:t>1/11/2023</a:t>
             </a:fld>
             <a:endParaRPr lang="en-US"/>
           </a:p>
@@ -3116,7 +3116,7 @@
           <a:p>
             <a:fld id="{69AAD5AD-9358-43C1-A998-723E161209B3}" type="datetimeFigureOut">
               <a:rPr lang="en-US" smtClean="0"/>
-              <a:t>9/23/2022</a:t>
+              <a:t>1/11/2023</a:t>
             </a:fld>
             <a:endParaRPr lang="en-US"/>
           </a:p>
@@ -3357,7 +3357,7 @@
           <a:p>
             <a:fld id="{69AAD5AD-9358-43C1-A998-723E161209B3}" type="datetimeFigureOut">
               <a:rPr lang="en-US" smtClean="0"/>
-              <a:t>9/23/2022</a:t>
+              <a:t>1/11/2023</a:t>
             </a:fld>
             <a:endParaRPr lang="en-US"/>
           </a:p>
@@ -4990,36 +4990,6 @@
           </p:sp>
         </mc:Fallback>
       </mc:AlternateContent>
-      <p:pic>
-        <p:nvPicPr>
-          <p:cNvPr id="4" name="Picture 3">
-            <a:extLst>
-              <a:ext uri="{FF2B5EF4-FFF2-40B4-BE49-F238E27FC236}">
-                <a16:creationId xmlns:a16="http://schemas.microsoft.com/office/drawing/2014/main" id="{EFC8A28C-684B-42D3-A81B-BD24FC91D017}"/>
-              </a:ext>
-            </a:extLst>
-          </p:cNvPr>
-          <p:cNvPicPr>
-            <a:picLocks noChangeAspect="1"/>
-          </p:cNvPicPr>
-          <p:nvPr/>
-        </p:nvPicPr>
-        <p:blipFill>
-          <a:blip r:embed="rId3"/>
-          <a:stretch>
-            <a:fillRect/>
-          </a:stretch>
-        </p:blipFill>
-        <p:spPr>
-          <a:xfrm>
-            <a:off x="1799254" y="5580069"/>
-            <a:ext cx="6782747" cy="885949"/>
-          </a:xfrm>
-          <a:prstGeom prst="rect">
-            <a:avLst/>
-          </a:prstGeom>
-        </p:spPr>
-      </p:pic>
     </p:spTree>
     <p:extLst>
       <p:ext uri="{BB962C8B-B14F-4D97-AF65-F5344CB8AC3E}">
@@ -5277,7 +5247,6 @@
               <a:rPr lang="en-US" dirty="0" smtClean="0"/>
               <a:t>'] =</a:t>
             </a:r>
-            <a:endParaRPr lang="en-US" dirty="0" smtClean="0"/>
           </a:p>
           <a:p>
             <a:pPr marL="0" indent="0">
